--- a/Development/Final Project Ideas.pptx
+++ b/Development/Final Project Ideas.pptx
@@ -5,7 +5,7 @@
     <p:sldMasterId id="2147483659" r:id="rId1"/>
   </p:sldMasterIdLst>
   <p:notesMasterIdLst>
-    <p:notesMasterId r:id="rId7"/>
+    <p:notesMasterId r:id="rId8"/>
   </p:notesMasterIdLst>
   <p:sldIdLst>
     <p:sldId id="256" r:id="rId2"/>
@@ -13,6 +13,7 @@
     <p:sldId id="258" r:id="rId4"/>
     <p:sldId id="259" r:id="rId5"/>
     <p:sldId id="260" r:id="rId6"/>
+    <p:sldId id="261" r:id="rId7"/>
   </p:sldIdLst>
   <p:sldSz cx="9144000" cy="5143500" type="screen16x9"/>
   <p:notesSz cx="6858000" cy="9144000"/>
@@ -990,7 +991,7 @@
         </p:nvSpPr>
         <p:spPr>
           <a:xfrm>
-            <a:off x="381300" y="685800"/>
+            <a:off x="381000" y="685800"/>
             <a:ext cx="6096000" cy="3429000"/>
           </a:xfrm>
           <a:custGeom>
@@ -5721,9 +5722,14 @@
               <a:buNone/>
             </a:pPr>
             <a:r>
-              <a:rPr lang="en"/>
-              <a:t>Visually Simple Game</a:t>
+              <a:rPr lang="en-US" dirty="0" smtClean="0"/>
+              <a:t>Minimalist </a:t>
             </a:r>
+            <a:r>
+              <a:rPr lang="en" dirty="0" smtClean="0"/>
+              <a:t>Game</a:t>
+            </a:r>
+            <a:endParaRPr lang="en" dirty="0"/>
           </a:p>
         </p:txBody>
       </p:sp>
@@ -5811,44 +5817,6 @@
           </a:ln>
         </p:spPr>
       </p:pic>
-      <p:sp>
-        <p:nvSpPr>
-          <p:cNvPr id="95" name="Shape 95"/>
-          <p:cNvSpPr txBox="1"/>
-          <p:nvPr/>
-        </p:nvSpPr>
-        <p:spPr>
-          <a:xfrm>
-            <a:off x="440150" y="4074550"/>
-            <a:ext cx="2590499" cy="779700"/>
-          </a:xfrm>
-          <a:prstGeom prst="rect">
-            <a:avLst/>
-          </a:prstGeom>
-          <a:noFill/>
-          <a:ln>
-            <a:noFill/>
-          </a:ln>
-        </p:spPr>
-        <p:txBody>
-          <a:bodyPr lIns="91425" tIns="91425" rIns="91425" bIns="91425" anchor="t" anchorCtr="0">
-            <a:noAutofit/>
-          </a:bodyPr>
-          <a:lstStyle/>
-          <a:p>
-            <a:pPr>
-              <a:spcBef>
-                <a:spcPts val="0"/>
-              </a:spcBef>
-              <a:buNone/>
-            </a:pPr>
-            <a:r>
-              <a:rPr lang="en"/>
-              <a:t>Something with color when you click? </a:t>
-            </a:r>
-          </a:p>
-        </p:txBody>
-      </p:sp>
     </p:spTree>
   </p:cSld>
   <p:clrMapOvr>
@@ -5864,6 +5832,126 @@
       </p:par>
     </p:tnLst>
   </p:timing>
+</p:sld>
+</file>
+
+<file path=ppt/slides/slide6.xml><?xml version="1.0" encoding="utf-8"?>
+<p:sld xmlns:a="http://schemas.openxmlformats.org/drawingml/2006/main" xmlns:r="http://schemas.openxmlformats.org/officeDocument/2006/relationships" xmlns:p="http://schemas.openxmlformats.org/presentationml/2006/main">
+  <p:cSld>
+    <p:spTree>
+      <p:nvGrpSpPr>
+        <p:cNvPr id="1" name=""/>
+        <p:cNvGrpSpPr/>
+        <p:nvPr/>
+      </p:nvGrpSpPr>
+      <p:grpSpPr>
+        <a:xfrm>
+          <a:off x="0" y="0"/>
+          <a:ext cx="0" cy="0"/>
+          <a:chOff x="0" y="0"/>
+          <a:chExt cx="0" cy="0"/>
+        </a:xfrm>
+      </p:grpSpPr>
+      <p:pic>
+        <p:nvPicPr>
+          <p:cNvPr id="5" name="Picture 4"/>
+          <p:cNvPicPr>
+            <a:picLocks noChangeAspect="1"/>
+          </p:cNvPicPr>
+          <p:nvPr/>
+        </p:nvPicPr>
+        <p:blipFill>
+          <a:blip r:embed="rId2">
+            <a:extLst>
+              <a:ext uri="{28A0092B-C50C-407E-A947-70E740481C1C}">
+                <a14:useLocalDpi xmlns:a14="http://schemas.microsoft.com/office/drawing/2010/main" val="0"/>
+              </a:ext>
+            </a:extLst>
+          </a:blip>
+          <a:stretch>
+            <a:fillRect/>
+          </a:stretch>
+        </p:blipFill>
+        <p:spPr>
+          <a:xfrm>
+            <a:off x="5084956" y="887585"/>
+            <a:ext cx="3472696" cy="2045185"/>
+          </a:xfrm>
+          <a:prstGeom prst="rect">
+            <a:avLst/>
+          </a:prstGeom>
+        </p:spPr>
+      </p:pic>
+      <p:pic>
+        <p:nvPicPr>
+          <p:cNvPr id="6" name="Picture 5"/>
+          <p:cNvPicPr>
+            <a:picLocks noChangeAspect="1"/>
+          </p:cNvPicPr>
+          <p:nvPr/>
+        </p:nvPicPr>
+        <p:blipFill>
+          <a:blip r:embed="rId3">
+            <a:extLst>
+              <a:ext uri="{28A0092B-C50C-407E-A947-70E740481C1C}">
+                <a14:useLocalDpi xmlns:a14="http://schemas.microsoft.com/office/drawing/2010/main" val="0"/>
+              </a:ext>
+            </a:extLst>
+          </a:blip>
+          <a:stretch>
+            <a:fillRect/>
+          </a:stretch>
+        </p:blipFill>
+        <p:spPr>
+          <a:xfrm>
+            <a:off x="524727" y="654890"/>
+            <a:ext cx="4200078" cy="2510573"/>
+          </a:xfrm>
+          <a:prstGeom prst="rect">
+            <a:avLst/>
+          </a:prstGeom>
+        </p:spPr>
+      </p:pic>
+      <p:sp>
+        <p:nvSpPr>
+          <p:cNvPr id="7" name="TextBox 6"/>
+          <p:cNvSpPr txBox="1"/>
+          <p:nvPr/>
+        </p:nvSpPr>
+        <p:spPr>
+          <a:xfrm>
+            <a:off x="735980" y="3869473"/>
+            <a:ext cx="7821672" cy="307777"/>
+          </a:xfrm>
+          <a:prstGeom prst="rect">
+            <a:avLst/>
+          </a:prstGeom>
+          <a:noFill/>
+        </p:spPr>
+        <p:txBody>
+          <a:bodyPr wrap="square" rtlCol="0">
+            <a:spAutoFit/>
+          </a:bodyPr>
+          <a:lstStyle/>
+          <a:p>
+            <a:r>
+              <a:rPr lang="en-US" dirty="0" smtClean="0"/>
+              <a:t>As time passes the game gets more difficult (?)</a:t>
+            </a:r>
+            <a:endParaRPr lang="en-US" dirty="0"/>
+          </a:p>
+        </p:txBody>
+      </p:sp>
+    </p:spTree>
+    <p:extLst>
+      <p:ext uri="{BB962C8B-B14F-4D97-AF65-F5344CB8AC3E}">
+        <p14:creationId xmlns:p14="http://schemas.microsoft.com/office/powerpoint/2010/main" val="788636422"/>
+      </p:ext>
+    </p:extLst>
+  </p:cSld>
+  <p:clrMapOvr>
+    <a:masterClrMapping/>
+  </p:clrMapOvr>
 </p:sld>
 </file>
 
